--- a/Apresentação Etapa 1.pptx
+++ b/Apresentação Etapa 1.pptx
@@ -11123,7 +11123,7 @@
             <a:tbl>
               <a:tblPr>
                 <a:noFill/>
-                <a:tableStyleId>{FD36AA38-B7A7-4C36-AF9C-EC3CA6C5CD0E}</a:tableStyleId>
+                <a:tableStyleId>{2DB2E608-F6A4-4166-8921-E50C1046C06D}</a:tableStyleId>
               </a:tblPr>
               <a:tblGrid>
                 <a:gridCol w="1092525"/>
